--- a/lecnotes/section_kha.pptx
+++ b/lecnotes/section_kha.pptx
@@ -8,7 +8,6 @@
     <p:sldId id="256" r:id="rId2"/>
     <p:sldId id="1993" r:id="rId3"/>
     <p:sldId id="1994" r:id="rId4"/>
-    <p:sldId id="1995" r:id="rId5"/>
   </p:sldIdLst>
   <p:sldSz cx="12192000" cy="6858000"/>
   <p:notesSz cx="6858000" cy="9144000"/>
@@ -3614,13 +3613,13 @@
         </p:nvSpPr>
         <p:spPr>
           <a:xfrm>
-            <a:off x="838200" y="1825625"/>
-            <a:ext cx="6710082" cy="4351338"/>
+            <a:off x="838199" y="1825625"/>
+            <a:ext cx="10737715" cy="4351338"/>
           </a:xfrm>
         </p:spPr>
         <p:txBody>
           <a:bodyPr>
-            <a:normAutofit/>
+            <a:normAutofit fontScale="92500" lnSpcReduction="20000"/>
           </a:bodyPr>
           <a:lstStyle/>
           <a:p>
@@ -3652,6 +3651,41 @@
               <a:rPr lang="en-US" dirty="0"/>
               <a:t>Team 2: present S3</a:t>
             </a:r>
+          </a:p>
+          <a:p>
+            <a:endParaRPr lang="en-US" dirty="0"/>
+          </a:p>
+          <a:p>
+            <a:pPr marL="0" indent="0">
+              <a:buNone/>
+            </a:pPr>
+            <a:r>
+              <a:rPr lang="en-US" dirty="0"/>
+              <a:t>Next</a:t>
+            </a:r>
+          </a:p>
+          <a:p>
+            <a:r>
+              <a:rPr lang="en-US" dirty="0"/>
+              <a:t>Read S4</a:t>
+            </a:r>
+          </a:p>
+          <a:p>
+            <a:r>
+              <a:rPr lang="en-US" dirty="0"/>
+              <a:t>Team 1: first subsection, example app and predictor to explain the terms</a:t>
+            </a:r>
+          </a:p>
+          <a:p>
+            <a:r>
+              <a:rPr lang="en-US" dirty="0"/>
+              <a:t>Team 2: second subsection, example app and prediction, focus on how </a:t>
+            </a:r>
+            <a:r>
+              <a:rPr lang="en-US"/>
+              <a:t>layout plays a role.</a:t>
+            </a:r>
+            <a:endParaRPr lang="en-US" dirty="0"/>
           </a:p>
           <a:p>
             <a:endParaRPr lang="en-US" dirty="0"/>
@@ -3671,124 +3705,6 @@
     <p:extLst>
       <p:ext uri="{BB962C8B-B14F-4D97-AF65-F5344CB8AC3E}">
         <p14:creationId xmlns:p14="http://schemas.microsoft.com/office/powerpoint/2010/main" val="2367039168"/>
-      </p:ext>
-    </p:extLst>
-  </p:cSld>
-  <p:clrMapOvr>
-    <a:masterClrMapping/>
-  </p:clrMapOvr>
-</p:sld>
-</file>
-
-<file path=ppt/slides/slide4.xml><?xml version="1.0" encoding="utf-8"?>
-<p:sld xmlns:a="http://schemas.openxmlformats.org/drawingml/2006/main" xmlns:r="http://schemas.openxmlformats.org/officeDocument/2006/relationships" xmlns:p="http://schemas.openxmlformats.org/presentationml/2006/main">
-  <p:cSld>
-    <p:spTree>
-      <p:nvGrpSpPr>
-        <p:cNvPr id="1" name=""/>
-        <p:cNvGrpSpPr/>
-        <p:nvPr/>
-      </p:nvGrpSpPr>
-      <p:grpSpPr>
-        <a:xfrm>
-          <a:off x="0" y="0"/>
-          <a:ext cx="0" cy="0"/>
-          <a:chOff x="0" y="0"/>
-          <a:chExt cx="0" cy="0"/>
-        </a:xfrm>
-      </p:grpSpPr>
-      <p:sp>
-        <p:nvSpPr>
-          <p:cNvPr id="2" name="Title 1">
-            <a:extLst>
-              <a:ext uri="{FF2B5EF4-FFF2-40B4-BE49-F238E27FC236}">
-                <a16:creationId xmlns:a16="http://schemas.microsoft.com/office/drawing/2014/main" id="{E4814983-BE55-2941-B6CE-4E7A94A46C92}"/>
-              </a:ext>
-            </a:extLst>
-          </p:cNvPr>
-          <p:cNvSpPr>
-            <a:spLocks noGrp="1"/>
-          </p:cNvSpPr>
-          <p:nvPr>
-            <p:ph type="title"/>
-          </p:nvPr>
-        </p:nvSpPr>
-        <p:spPr/>
-        <p:txBody>
-          <a:bodyPr/>
-          <a:lstStyle/>
-          <a:p>
-            <a:r>
-              <a:rPr lang="en-US" dirty="0"/>
-              <a:t>Next</a:t>
-            </a:r>
-          </a:p>
-        </p:txBody>
-      </p:sp>
-      <p:sp>
-        <p:nvSpPr>
-          <p:cNvPr id="3" name="Content Placeholder 2">
-            <a:extLst>
-              <a:ext uri="{FF2B5EF4-FFF2-40B4-BE49-F238E27FC236}">
-                <a16:creationId xmlns:a16="http://schemas.microsoft.com/office/drawing/2014/main" id="{D9B01541-0942-7D45-A58E-7626567ADA7C}"/>
-              </a:ext>
-            </a:extLst>
-          </p:cNvPr>
-          <p:cNvSpPr>
-            <a:spLocks noGrp="1"/>
-          </p:cNvSpPr>
-          <p:nvPr>
-            <p:ph idx="1"/>
-          </p:nvPr>
-        </p:nvSpPr>
-        <p:spPr>
-          <a:xfrm>
-            <a:off x="838200" y="1825625"/>
-            <a:ext cx="6853518" cy="4351338"/>
-          </a:xfrm>
-        </p:spPr>
-        <p:txBody>
-          <a:bodyPr/>
-          <a:lstStyle/>
-          <a:p>
-            <a:pPr marL="0" indent="0">
-              <a:buNone/>
-            </a:pPr>
-            <a:r>
-              <a:rPr lang="en-US" dirty="0"/>
-              <a:t>Assign reading: VLDB 20 paper</a:t>
-            </a:r>
-          </a:p>
-          <a:p>
-            <a:r>
-              <a:rPr lang="en-US" dirty="0"/>
-              <a:t>Everyone: S4-5</a:t>
-            </a:r>
-          </a:p>
-          <a:p>
-            <a:r>
-              <a:rPr lang="en-US" dirty="0"/>
-              <a:t>Team 1: present S4.  </a:t>
-            </a:r>
-          </a:p>
-          <a:p>
-            <a:r>
-              <a:rPr lang="en-US" dirty="0"/>
-              <a:t>Team 2: present S5</a:t>
-            </a:r>
-          </a:p>
-          <a:p>
-            <a:pPr marL="0" indent="0">
-              <a:buNone/>
-            </a:pPr>
-            <a:endParaRPr lang="en-US" dirty="0"/>
-          </a:p>
-        </p:txBody>
-      </p:sp>
-    </p:spTree>
-    <p:extLst>
-      <p:ext uri="{BB962C8B-B14F-4D97-AF65-F5344CB8AC3E}">
-        <p14:creationId xmlns:p14="http://schemas.microsoft.com/office/powerpoint/2010/main" val="1872182317"/>
       </p:ext>
     </p:extLst>
   </p:cSld>

--- a/lecnotes/section_kha.pptx
+++ b/lecnotes/section_kha.pptx
@@ -8,6 +8,7 @@
     <p:sldId id="256" r:id="rId2"/>
     <p:sldId id="1993" r:id="rId3"/>
     <p:sldId id="1994" r:id="rId4"/>
+    <p:sldId id="1995" r:id="rId5"/>
   </p:sldIdLst>
   <p:sldSz cx="12192000" cy="6858000"/>
   <p:notesSz cx="6858000" cy="9144000"/>
@@ -261,7 +262,7 @@
           <a:p>
             <a:fld id="{3EA43177-ED33-814E-8677-557825FE62F2}" type="datetimeFigureOut">
               <a:rPr lang="en-US" smtClean="0"/>
-              <a:t>6/8/20</a:t>
+              <a:t>6/15/20</a:t>
             </a:fld>
             <a:endParaRPr lang="en-US"/>
           </a:p>
@@ -459,7 +460,7 @@
           <a:p>
             <a:fld id="{3EA43177-ED33-814E-8677-557825FE62F2}" type="datetimeFigureOut">
               <a:rPr lang="en-US" smtClean="0"/>
-              <a:t>6/8/20</a:t>
+              <a:t>6/15/20</a:t>
             </a:fld>
             <a:endParaRPr lang="en-US"/>
           </a:p>
@@ -667,7 +668,7 @@
           <a:p>
             <a:fld id="{3EA43177-ED33-814E-8677-557825FE62F2}" type="datetimeFigureOut">
               <a:rPr lang="en-US" smtClean="0"/>
-              <a:t>6/8/20</a:t>
+              <a:t>6/15/20</a:t>
             </a:fld>
             <a:endParaRPr lang="en-US"/>
           </a:p>
@@ -865,7 +866,7 @@
           <a:p>
             <a:fld id="{3EA43177-ED33-814E-8677-557825FE62F2}" type="datetimeFigureOut">
               <a:rPr lang="en-US" smtClean="0"/>
-              <a:t>6/8/20</a:t>
+              <a:t>6/15/20</a:t>
             </a:fld>
             <a:endParaRPr lang="en-US"/>
           </a:p>
@@ -1140,7 +1141,7 @@
           <a:p>
             <a:fld id="{3EA43177-ED33-814E-8677-557825FE62F2}" type="datetimeFigureOut">
               <a:rPr lang="en-US" smtClean="0"/>
-              <a:t>6/8/20</a:t>
+              <a:t>6/15/20</a:t>
             </a:fld>
             <a:endParaRPr lang="en-US"/>
           </a:p>
@@ -1405,7 +1406,7 @@
           <a:p>
             <a:fld id="{3EA43177-ED33-814E-8677-557825FE62F2}" type="datetimeFigureOut">
               <a:rPr lang="en-US" smtClean="0"/>
-              <a:t>6/8/20</a:t>
+              <a:t>6/15/20</a:t>
             </a:fld>
             <a:endParaRPr lang="en-US"/>
           </a:p>
@@ -1817,7 +1818,7 @@
           <a:p>
             <a:fld id="{3EA43177-ED33-814E-8677-557825FE62F2}" type="datetimeFigureOut">
               <a:rPr lang="en-US" smtClean="0"/>
-              <a:t>6/8/20</a:t>
+              <a:t>6/15/20</a:t>
             </a:fld>
             <a:endParaRPr lang="en-US"/>
           </a:p>
@@ -1958,7 +1959,7 @@
           <a:p>
             <a:fld id="{3EA43177-ED33-814E-8677-557825FE62F2}" type="datetimeFigureOut">
               <a:rPr lang="en-US" smtClean="0"/>
-              <a:t>6/8/20</a:t>
+              <a:t>6/15/20</a:t>
             </a:fld>
             <a:endParaRPr lang="en-US"/>
           </a:p>
@@ -2071,7 +2072,7 @@
           <a:p>
             <a:fld id="{3EA43177-ED33-814E-8677-557825FE62F2}" type="datetimeFigureOut">
               <a:rPr lang="en-US" smtClean="0"/>
-              <a:t>6/8/20</a:t>
+              <a:t>6/15/20</a:t>
             </a:fld>
             <a:endParaRPr lang="en-US"/>
           </a:p>
@@ -2382,7 +2383,7 @@
           <a:p>
             <a:fld id="{3EA43177-ED33-814E-8677-557825FE62F2}" type="datetimeFigureOut">
               <a:rPr lang="en-US" smtClean="0"/>
-              <a:t>6/8/20</a:t>
+              <a:t>6/15/20</a:t>
             </a:fld>
             <a:endParaRPr lang="en-US"/>
           </a:p>
@@ -2670,7 +2671,7 @@
           <a:p>
             <a:fld id="{3EA43177-ED33-814E-8677-557825FE62F2}" type="datetimeFigureOut">
               <a:rPr lang="en-US" smtClean="0"/>
-              <a:t>6/8/20</a:t>
+              <a:t>6/15/20</a:t>
             </a:fld>
             <a:endParaRPr lang="en-US"/>
           </a:p>
@@ -2911,7 +2912,7 @@
           <a:p>
             <a:fld id="{3EA43177-ED33-814E-8677-557825FE62F2}" type="datetimeFigureOut">
               <a:rPr lang="en-US" smtClean="0"/>
-              <a:t>6/8/20</a:t>
+              <a:t>6/15/20</a:t>
             </a:fld>
             <a:endParaRPr lang="en-US"/>
           </a:p>
@@ -3714,6 +3715,167 @@
 </p:sld>
 </file>
 
+<file path=ppt/slides/slide4.xml><?xml version="1.0" encoding="utf-8"?>
+<p:sld xmlns:a="http://schemas.openxmlformats.org/drawingml/2006/main" xmlns:r="http://schemas.openxmlformats.org/officeDocument/2006/relationships" xmlns:p="http://schemas.openxmlformats.org/presentationml/2006/main">
+  <p:cSld>
+    <p:spTree>
+      <p:nvGrpSpPr>
+        <p:cNvPr id="1" name=""/>
+        <p:cNvGrpSpPr/>
+        <p:nvPr/>
+      </p:nvGrpSpPr>
+      <p:grpSpPr>
+        <a:xfrm>
+          <a:off x="0" y="0"/>
+          <a:ext cx="0" cy="0"/>
+          <a:chOff x="0" y="0"/>
+          <a:chExt cx="0" cy="0"/>
+        </a:xfrm>
+      </p:grpSpPr>
+      <p:sp>
+        <p:nvSpPr>
+          <p:cNvPr id="2" name="Title 1">
+            <a:extLst>
+              <a:ext uri="{FF2B5EF4-FFF2-40B4-BE49-F238E27FC236}">
+                <a16:creationId xmlns:a16="http://schemas.microsoft.com/office/drawing/2014/main" id="{F1495278-75BE-964F-AB0F-71B36827EEC8}"/>
+              </a:ext>
+            </a:extLst>
+          </p:cNvPr>
+          <p:cNvSpPr>
+            <a:spLocks noGrp="1"/>
+          </p:cNvSpPr>
+          <p:nvPr>
+            <p:ph type="title"/>
+          </p:nvPr>
+        </p:nvSpPr>
+        <p:spPr/>
+        <p:txBody>
+          <a:bodyPr/>
+          <a:lstStyle/>
+          <a:p>
+            <a:r>
+              <a:rPr lang="en-US" dirty="0"/>
+              <a:t>6/15 Agenda</a:t>
+            </a:r>
+          </a:p>
+        </p:txBody>
+      </p:sp>
+      <p:sp>
+        <p:nvSpPr>
+          <p:cNvPr id="3" name="Content Placeholder 2">
+            <a:extLst>
+              <a:ext uri="{FF2B5EF4-FFF2-40B4-BE49-F238E27FC236}">
+                <a16:creationId xmlns:a16="http://schemas.microsoft.com/office/drawing/2014/main" id="{4E9300D0-BA22-C547-BD8D-35D22876B077}"/>
+              </a:ext>
+            </a:extLst>
+          </p:cNvPr>
+          <p:cNvSpPr>
+            <a:spLocks noGrp="1"/>
+          </p:cNvSpPr>
+          <p:nvPr>
+            <p:ph idx="1"/>
+          </p:nvPr>
+        </p:nvSpPr>
+        <p:spPr>
+          <a:xfrm>
+            <a:off x="838199" y="1825625"/>
+            <a:ext cx="10737715" cy="4351338"/>
+          </a:xfrm>
+        </p:spPr>
+        <p:txBody>
+          <a:bodyPr>
+            <a:normAutofit fontScale="77500" lnSpcReduction="20000"/>
+          </a:bodyPr>
+          <a:lstStyle/>
+          <a:p>
+            <a:pPr marL="0" indent="0">
+              <a:buNone/>
+            </a:pPr>
+            <a:r>
+              <a:rPr lang="en-US" dirty="0"/>
+              <a:t>Updates on Warmup Tasks</a:t>
+            </a:r>
+          </a:p>
+          <a:p>
+            <a:pPr marL="0" indent="0">
+              <a:buNone/>
+            </a:pPr>
+            <a:r>
+              <a:rPr lang="en-US" dirty="0"/>
+              <a:t>Paper presentations</a:t>
+            </a:r>
+          </a:p>
+          <a:p>
+            <a:r>
+              <a:rPr lang="en-US" dirty="0"/>
+              <a:t>Team 1: present S4 Part 1</a:t>
+            </a:r>
+          </a:p>
+          <a:p>
+            <a:r>
+              <a:rPr lang="en-US" dirty="0"/>
+              <a:t>Team 2: present S4 Part 2</a:t>
+            </a:r>
+          </a:p>
+          <a:p>
+            <a:endParaRPr lang="en-US" dirty="0"/>
+          </a:p>
+          <a:p>
+            <a:pPr marL="0" indent="0">
+              <a:buNone/>
+            </a:pPr>
+            <a:r>
+              <a:rPr lang="en-US" dirty="0"/>
+              <a:t>Next</a:t>
+            </a:r>
+          </a:p>
+          <a:p>
+            <a:r>
+              <a:rPr lang="en-US" dirty="0"/>
+              <a:t>Read S5</a:t>
+            </a:r>
+          </a:p>
+          <a:p>
+            <a:r>
+              <a:rPr lang="en-US" dirty="0"/>
+              <a:t>Team 1: present </a:t>
+            </a:r>
+            <a:r>
+              <a:rPr lang="en-US"/>
+              <a:t>the scheduler </a:t>
+            </a:r>
+            <a:r>
+              <a:rPr lang="en-US" dirty="0"/>
+              <a:t>problem definition and the ILP formulation.  In addition to presenting the symbols and equations, connect it back to a simple example so it’s clear what their meanings are and why each term matters.   </a:t>
+            </a:r>
+          </a:p>
+          <a:p>
+            <a:r>
+              <a:rPr lang="en-US" dirty="0"/>
+              <a:t>Team 2: present the greedy scheduler and implementation details, and what’s needed to make it run fast.</a:t>
+            </a:r>
+          </a:p>
+          <a:p>
+            <a:pPr marL="0" indent="0">
+              <a:buNone/>
+            </a:pPr>
+            <a:endParaRPr lang="en-US" dirty="0"/>
+          </a:p>
+        </p:txBody>
+      </p:sp>
+    </p:spTree>
+    <p:extLst>
+      <p:ext uri="{BB962C8B-B14F-4D97-AF65-F5344CB8AC3E}">
+        <p14:creationId xmlns:p14="http://schemas.microsoft.com/office/powerpoint/2010/main" val="1592368835"/>
+      </p:ext>
+    </p:extLst>
+  </p:cSld>
+  <p:clrMapOvr>
+    <a:masterClrMapping/>
+  </p:clrMapOvr>
+</p:sld>
+</file>
+
 <file path=ppt/theme/theme1.xml><?xml version="1.0" encoding="utf-8"?>
 <a:theme xmlns:a="http://schemas.openxmlformats.org/drawingml/2006/main" name="Office Theme">
   <a:themeElements>

--- a/lecnotes/section_kha.pptx
+++ b/lecnotes/section_kha.pptx
@@ -9,6 +9,7 @@
     <p:sldId id="1993" r:id="rId3"/>
     <p:sldId id="1994" r:id="rId4"/>
     <p:sldId id="1995" r:id="rId5"/>
+    <p:sldId id="1996" r:id="rId6"/>
   </p:sldIdLst>
   <p:sldSz cx="12192000" cy="6858000"/>
   <p:notesSz cx="6858000" cy="9144000"/>
@@ -262,7 +263,7 @@
           <a:p>
             <a:fld id="{3EA43177-ED33-814E-8677-557825FE62F2}" type="datetimeFigureOut">
               <a:rPr lang="en-US" smtClean="0"/>
-              <a:t>6/15/20</a:t>
+              <a:t>6/22/20</a:t>
             </a:fld>
             <a:endParaRPr lang="en-US"/>
           </a:p>
@@ -460,7 +461,7 @@
           <a:p>
             <a:fld id="{3EA43177-ED33-814E-8677-557825FE62F2}" type="datetimeFigureOut">
               <a:rPr lang="en-US" smtClean="0"/>
-              <a:t>6/15/20</a:t>
+              <a:t>6/22/20</a:t>
             </a:fld>
             <a:endParaRPr lang="en-US"/>
           </a:p>
@@ -668,7 +669,7 @@
           <a:p>
             <a:fld id="{3EA43177-ED33-814E-8677-557825FE62F2}" type="datetimeFigureOut">
               <a:rPr lang="en-US" smtClean="0"/>
-              <a:t>6/15/20</a:t>
+              <a:t>6/22/20</a:t>
             </a:fld>
             <a:endParaRPr lang="en-US"/>
           </a:p>
@@ -866,7 +867,7 @@
           <a:p>
             <a:fld id="{3EA43177-ED33-814E-8677-557825FE62F2}" type="datetimeFigureOut">
               <a:rPr lang="en-US" smtClean="0"/>
-              <a:t>6/15/20</a:t>
+              <a:t>6/22/20</a:t>
             </a:fld>
             <a:endParaRPr lang="en-US"/>
           </a:p>
@@ -1141,7 +1142,7 @@
           <a:p>
             <a:fld id="{3EA43177-ED33-814E-8677-557825FE62F2}" type="datetimeFigureOut">
               <a:rPr lang="en-US" smtClean="0"/>
-              <a:t>6/15/20</a:t>
+              <a:t>6/22/20</a:t>
             </a:fld>
             <a:endParaRPr lang="en-US"/>
           </a:p>
@@ -1406,7 +1407,7 @@
           <a:p>
             <a:fld id="{3EA43177-ED33-814E-8677-557825FE62F2}" type="datetimeFigureOut">
               <a:rPr lang="en-US" smtClean="0"/>
-              <a:t>6/15/20</a:t>
+              <a:t>6/22/20</a:t>
             </a:fld>
             <a:endParaRPr lang="en-US"/>
           </a:p>
@@ -1818,7 +1819,7 @@
           <a:p>
             <a:fld id="{3EA43177-ED33-814E-8677-557825FE62F2}" type="datetimeFigureOut">
               <a:rPr lang="en-US" smtClean="0"/>
-              <a:t>6/15/20</a:t>
+              <a:t>6/22/20</a:t>
             </a:fld>
             <a:endParaRPr lang="en-US"/>
           </a:p>
@@ -1959,7 +1960,7 @@
           <a:p>
             <a:fld id="{3EA43177-ED33-814E-8677-557825FE62F2}" type="datetimeFigureOut">
               <a:rPr lang="en-US" smtClean="0"/>
-              <a:t>6/15/20</a:t>
+              <a:t>6/22/20</a:t>
             </a:fld>
             <a:endParaRPr lang="en-US"/>
           </a:p>
@@ -2072,7 +2073,7 @@
           <a:p>
             <a:fld id="{3EA43177-ED33-814E-8677-557825FE62F2}" type="datetimeFigureOut">
               <a:rPr lang="en-US" smtClean="0"/>
-              <a:t>6/15/20</a:t>
+              <a:t>6/22/20</a:t>
             </a:fld>
             <a:endParaRPr lang="en-US"/>
           </a:p>
@@ -2383,7 +2384,7 @@
           <a:p>
             <a:fld id="{3EA43177-ED33-814E-8677-557825FE62F2}" type="datetimeFigureOut">
               <a:rPr lang="en-US" smtClean="0"/>
-              <a:t>6/15/20</a:t>
+              <a:t>6/22/20</a:t>
             </a:fld>
             <a:endParaRPr lang="en-US"/>
           </a:p>
@@ -2671,7 +2672,7 @@
           <a:p>
             <a:fld id="{3EA43177-ED33-814E-8677-557825FE62F2}" type="datetimeFigureOut">
               <a:rPr lang="en-US" smtClean="0"/>
-              <a:t>6/15/20</a:t>
+              <a:t>6/22/20</a:t>
             </a:fld>
             <a:endParaRPr lang="en-US"/>
           </a:p>
@@ -2912,7 +2913,7 @@
           <a:p>
             <a:fld id="{3EA43177-ED33-814E-8677-557825FE62F2}" type="datetimeFigureOut">
               <a:rPr lang="en-US" smtClean="0"/>
-              <a:t>6/15/20</a:t>
+              <a:t>6/22/20</a:t>
             </a:fld>
             <a:endParaRPr lang="en-US"/>
           </a:p>
@@ -3876,6 +3877,158 @@
 </p:sld>
 </file>
 
+<file path=ppt/slides/slide5.xml><?xml version="1.0" encoding="utf-8"?>
+<p:sld xmlns:a="http://schemas.openxmlformats.org/drawingml/2006/main" xmlns:r="http://schemas.openxmlformats.org/officeDocument/2006/relationships" xmlns:p="http://schemas.openxmlformats.org/presentationml/2006/main">
+  <p:cSld>
+    <p:spTree>
+      <p:nvGrpSpPr>
+        <p:cNvPr id="1" name=""/>
+        <p:cNvGrpSpPr/>
+        <p:nvPr/>
+      </p:nvGrpSpPr>
+      <p:grpSpPr>
+        <a:xfrm>
+          <a:off x="0" y="0"/>
+          <a:ext cx="0" cy="0"/>
+          <a:chOff x="0" y="0"/>
+          <a:chExt cx="0" cy="0"/>
+        </a:xfrm>
+      </p:grpSpPr>
+      <p:sp>
+        <p:nvSpPr>
+          <p:cNvPr id="2" name="Title 1">
+            <a:extLst>
+              <a:ext uri="{FF2B5EF4-FFF2-40B4-BE49-F238E27FC236}">
+                <a16:creationId xmlns:a16="http://schemas.microsoft.com/office/drawing/2014/main" id="{F1495278-75BE-964F-AB0F-71B36827EEC8}"/>
+              </a:ext>
+            </a:extLst>
+          </p:cNvPr>
+          <p:cNvSpPr>
+            <a:spLocks noGrp="1"/>
+          </p:cNvSpPr>
+          <p:nvPr>
+            <p:ph type="title"/>
+          </p:nvPr>
+        </p:nvSpPr>
+        <p:spPr/>
+        <p:txBody>
+          <a:bodyPr/>
+          <a:lstStyle/>
+          <a:p>
+            <a:r>
+              <a:rPr lang="en-US" dirty="0"/>
+              <a:t>6/22 Agenda</a:t>
+            </a:r>
+          </a:p>
+        </p:txBody>
+      </p:sp>
+      <p:sp>
+        <p:nvSpPr>
+          <p:cNvPr id="3" name="Content Placeholder 2">
+            <a:extLst>
+              <a:ext uri="{FF2B5EF4-FFF2-40B4-BE49-F238E27FC236}">
+                <a16:creationId xmlns:a16="http://schemas.microsoft.com/office/drawing/2014/main" id="{4E9300D0-BA22-C547-BD8D-35D22876B077}"/>
+              </a:ext>
+            </a:extLst>
+          </p:cNvPr>
+          <p:cNvSpPr>
+            <a:spLocks noGrp="1"/>
+          </p:cNvSpPr>
+          <p:nvPr>
+            <p:ph idx="1"/>
+          </p:nvPr>
+        </p:nvSpPr>
+        <p:spPr>
+          <a:xfrm>
+            <a:off x="838199" y="1825625"/>
+            <a:ext cx="10737715" cy="4351338"/>
+          </a:xfrm>
+        </p:spPr>
+        <p:txBody>
+          <a:bodyPr>
+            <a:normAutofit lnSpcReduction="10000"/>
+          </a:bodyPr>
+          <a:lstStyle/>
+          <a:p>
+            <a:pPr marL="0" indent="0">
+              <a:buNone/>
+            </a:pPr>
+            <a:r>
+              <a:rPr lang="en-US" dirty="0"/>
+              <a:t>Updates on Warmup Tasks</a:t>
+            </a:r>
+          </a:p>
+          <a:p>
+            <a:pPr marL="0" indent="0">
+              <a:buNone/>
+            </a:pPr>
+            <a:r>
+              <a:rPr lang="en-US" dirty="0"/>
+              <a:t>Paper presentations</a:t>
+            </a:r>
+          </a:p>
+          <a:p>
+            <a:r>
+              <a:rPr lang="en-US" dirty="0"/>
+              <a:t>Team 1: present S5 Part 1</a:t>
+            </a:r>
+          </a:p>
+          <a:p>
+            <a:r>
+              <a:rPr lang="en-US" dirty="0"/>
+              <a:t>Team 2: present S5 Part 2</a:t>
+            </a:r>
+          </a:p>
+          <a:p>
+            <a:endParaRPr lang="en-US" dirty="0"/>
+          </a:p>
+          <a:p>
+            <a:pPr marL="0" indent="0">
+              <a:buNone/>
+            </a:pPr>
+            <a:r>
+              <a:rPr lang="en-US" dirty="0"/>
+              <a:t>Next</a:t>
+            </a:r>
+          </a:p>
+          <a:p>
+            <a:r>
+              <a:rPr lang="en-US" dirty="0"/>
+              <a:t>Read S5</a:t>
+            </a:r>
+          </a:p>
+          <a:p>
+            <a:r>
+              <a:rPr lang="en-US" dirty="0"/>
+              <a:t>Team 1:   </a:t>
+            </a:r>
+          </a:p>
+          <a:p>
+            <a:r>
+              <a:rPr lang="en-US" dirty="0"/>
+              <a:t>Team </a:t>
+            </a:r>
+            <a:r>
+              <a:rPr lang="en-US"/>
+              <a:t>2:</a:t>
+            </a:r>
+            <a:endParaRPr lang="en-US" dirty="0"/>
+          </a:p>
+        </p:txBody>
+      </p:sp>
+    </p:spTree>
+    <p:extLst>
+      <p:ext uri="{BB962C8B-B14F-4D97-AF65-F5344CB8AC3E}">
+        <p14:creationId xmlns:p14="http://schemas.microsoft.com/office/powerpoint/2010/main" val="4175163299"/>
+      </p:ext>
+    </p:extLst>
+  </p:cSld>
+  <p:clrMapOvr>
+    <a:masterClrMapping/>
+  </p:clrMapOvr>
+</p:sld>
+</file>
+
 <file path=ppt/theme/theme1.xml><?xml version="1.0" encoding="utf-8"?>
 <a:theme xmlns:a="http://schemas.openxmlformats.org/drawingml/2006/main" name="Office Theme">
   <a:themeElements>
